--- a/slides/Motors.pptx
+++ b/slides/Motors.pptx
@@ -6,6 +6,8 @@
   </p:sldMasterIdLst>
   <p:sldIdLst>
     <p:sldId id="256" r:id="rId2"/>
+    <p:sldId id="257" r:id="rId3"/>
+    <p:sldId id="258" r:id="rId4"/>
   </p:sldIdLst>
   <p:sldSz cx="12192000" cy="6858000"/>
   <p:notesSz cx="6858000" cy="9144000"/>
@@ -3342,7 +3344,10 @@
           <a:bodyPr/>
           <a:lstStyle/>
           <a:p>
-            <a:endParaRPr lang="en-US"/>
+            <a:r>
+              <a:rPr lang="en-US" dirty="0"/>
+              <a:t>Motors Table</a:t>
+            </a:r>
           </a:p>
         </p:txBody>
       </p:sp>
@@ -3375,6 +3380,1540 @@
     <p:extLst>
       <p:ext uri="{BB962C8B-B14F-4D97-AF65-F5344CB8AC3E}">
         <p14:creationId xmlns:p14="http://schemas.microsoft.com/office/powerpoint/2010/main" val="1695865061"/>
+      </p:ext>
+    </p:extLst>
+  </p:cSld>
+  <p:clrMapOvr>
+    <a:masterClrMapping/>
+  </p:clrMapOvr>
+</p:sld>
+</file>
+
+<file path=ppt/slides/slide2.xml><?xml version="1.0" encoding="utf-8"?>
+<p:sld xmlns:a="http://schemas.openxmlformats.org/drawingml/2006/main" xmlns:r="http://schemas.openxmlformats.org/officeDocument/2006/relationships" xmlns:p="http://schemas.openxmlformats.org/presentationml/2006/main">
+  <p:cSld>
+    <p:spTree>
+      <p:nvGrpSpPr>
+        <p:cNvPr id="1" name=""/>
+        <p:cNvGrpSpPr/>
+        <p:nvPr/>
+      </p:nvGrpSpPr>
+      <p:grpSpPr>
+        <a:xfrm>
+          <a:off x="0" y="0"/>
+          <a:ext cx="0" cy="0"/>
+          <a:chOff x="0" y="0"/>
+          <a:chExt cx="0" cy="0"/>
+        </a:xfrm>
+      </p:grpSpPr>
+      <p:sp>
+        <p:nvSpPr>
+          <p:cNvPr id="2" name="Title 1">
+            <a:extLst>
+              <a:ext uri="{FF2B5EF4-FFF2-40B4-BE49-F238E27FC236}">
+                <a16:creationId xmlns:a16="http://schemas.microsoft.com/office/drawing/2014/main" id="{70EE03A5-2869-62CF-3EC2-1942BE0FE660}"/>
+              </a:ext>
+            </a:extLst>
+          </p:cNvPr>
+          <p:cNvSpPr>
+            <a:spLocks noGrp="1"/>
+          </p:cNvSpPr>
+          <p:nvPr>
+            <p:ph type="title"/>
+          </p:nvPr>
+        </p:nvSpPr>
+        <p:spPr/>
+        <p:txBody>
+          <a:bodyPr/>
+          <a:lstStyle/>
+          <a:p>
+            <a:r>
+              <a:rPr lang="en-US" dirty="0"/>
+              <a:t>Motors Table</a:t>
+            </a:r>
+          </a:p>
+        </p:txBody>
+      </p:sp>
+      <p:sp>
+        <p:nvSpPr>
+          <p:cNvPr id="4" name="Rounded Rectangle 3">
+            <a:extLst>
+              <a:ext uri="{FF2B5EF4-FFF2-40B4-BE49-F238E27FC236}">
+                <a16:creationId xmlns:a16="http://schemas.microsoft.com/office/drawing/2014/main" id="{5775A588-FB8E-E03F-CB16-753A3FAAEDCE}"/>
+              </a:ext>
+            </a:extLst>
+          </p:cNvPr>
+          <p:cNvSpPr/>
+          <p:nvPr/>
+        </p:nvSpPr>
+        <p:spPr>
+          <a:xfrm>
+            <a:off x="1546624" y="1784781"/>
+            <a:ext cx="8699458" cy="3563074"/>
+          </a:xfrm>
+          <a:prstGeom prst="roundRect">
+            <a:avLst>
+              <a:gd name="adj" fmla="val 12771"/>
+            </a:avLst>
+          </a:prstGeom>
+          <a:solidFill>
+            <a:schemeClr val="accent4">
+              <a:lumMod val="20000"/>
+              <a:lumOff val="80000"/>
+            </a:schemeClr>
+          </a:solidFill>
+        </p:spPr>
+        <p:style>
+          <a:lnRef idx="2">
+            <a:schemeClr val="accent1">
+              <a:shade val="15000"/>
+            </a:schemeClr>
+          </a:lnRef>
+          <a:fillRef idx="1">
+            <a:schemeClr val="accent1"/>
+          </a:fillRef>
+          <a:effectRef idx="0">
+            <a:schemeClr val="accent1"/>
+          </a:effectRef>
+          <a:fontRef idx="minor">
+            <a:schemeClr val="lt1"/>
+          </a:fontRef>
+        </p:style>
+        <p:txBody>
+          <a:bodyPr rtlCol="0" anchor="ctr"/>
+          <a:lstStyle/>
+          <a:p>
+            <a:pPr algn="ctr"/>
+            <a:endParaRPr lang="en-US" dirty="0">
+              <a:solidFill>
+                <a:schemeClr val="tx1"/>
+              </a:solidFill>
+            </a:endParaRPr>
+          </a:p>
+        </p:txBody>
+      </p:sp>
+      <p:sp>
+        <p:nvSpPr>
+          <p:cNvPr id="5" name="TextBox 4">
+            <a:extLst>
+              <a:ext uri="{FF2B5EF4-FFF2-40B4-BE49-F238E27FC236}">
+                <a16:creationId xmlns:a16="http://schemas.microsoft.com/office/drawing/2014/main" id="{09F97EBA-BA76-48B0-E8AD-6B7A97F16C76}"/>
+              </a:ext>
+            </a:extLst>
+          </p:cNvPr>
+          <p:cNvSpPr txBox="1"/>
+          <p:nvPr/>
+        </p:nvSpPr>
+        <p:spPr>
+          <a:xfrm>
+            <a:off x="1905905" y="4585854"/>
+            <a:ext cx="1761701" cy="646331"/>
+          </a:xfrm>
+          <a:prstGeom prst="rect">
+            <a:avLst/>
+          </a:prstGeom>
+          <a:noFill/>
+        </p:spPr>
+        <p:txBody>
+          <a:bodyPr wrap="none" rtlCol="0">
+            <a:spAutoFit/>
+          </a:bodyPr>
+          <a:lstStyle/>
+          <a:p>
+            <a:pPr algn="ctr"/>
+            <a:r>
+              <a:rPr lang="en-US" b="1" dirty="0"/>
+              <a:t>Motors Circuit &amp;</a:t>
+            </a:r>
+          </a:p>
+          <a:p>
+            <a:pPr algn="ctr"/>
+            <a:r>
+              <a:rPr lang="en-US" b="1" dirty="0"/>
+              <a:t>Motor Direction</a:t>
+            </a:r>
+          </a:p>
+        </p:txBody>
+      </p:sp>
+      <p:sp>
+        <p:nvSpPr>
+          <p:cNvPr id="6" name="TextBox 5">
+            <a:extLst>
+              <a:ext uri="{FF2B5EF4-FFF2-40B4-BE49-F238E27FC236}">
+                <a16:creationId xmlns:a16="http://schemas.microsoft.com/office/drawing/2014/main" id="{C9B89B62-1751-93C8-238A-4ABCD6A11E2B}"/>
+              </a:ext>
+            </a:extLst>
+          </p:cNvPr>
+          <p:cNvSpPr txBox="1"/>
+          <p:nvPr/>
+        </p:nvSpPr>
+        <p:spPr>
+          <a:xfrm>
+            <a:off x="4334971" y="4735081"/>
+            <a:ext cx="1014124" cy="369332"/>
+          </a:xfrm>
+          <a:prstGeom prst="rect">
+            <a:avLst/>
+          </a:prstGeom>
+          <a:noFill/>
+        </p:spPr>
+        <p:txBody>
+          <a:bodyPr wrap="none" rtlCol="0">
+            <a:spAutoFit/>
+          </a:bodyPr>
+          <a:lstStyle/>
+          <a:p>
+            <a:r>
+              <a:rPr lang="en-US" b="1" dirty="0"/>
+              <a:t>H-Bridge</a:t>
+            </a:r>
+          </a:p>
+        </p:txBody>
+      </p:sp>
+      <p:sp>
+        <p:nvSpPr>
+          <p:cNvPr id="7" name="TextBox 6">
+            <a:extLst>
+              <a:ext uri="{FF2B5EF4-FFF2-40B4-BE49-F238E27FC236}">
+                <a16:creationId xmlns:a16="http://schemas.microsoft.com/office/drawing/2014/main" id="{6A0BC729-07BF-5454-9988-54D4F358CCC3}"/>
+              </a:ext>
+            </a:extLst>
+          </p:cNvPr>
+          <p:cNvSpPr txBox="1"/>
+          <p:nvPr/>
+        </p:nvSpPr>
+        <p:spPr>
+          <a:xfrm>
+            <a:off x="6032736" y="4735417"/>
+            <a:ext cx="1909241" cy="369332"/>
+          </a:xfrm>
+          <a:prstGeom prst="rect">
+            <a:avLst/>
+          </a:prstGeom>
+          <a:noFill/>
+        </p:spPr>
+        <p:txBody>
+          <a:bodyPr wrap="none" rtlCol="0">
+            <a:spAutoFit/>
+          </a:bodyPr>
+          <a:lstStyle/>
+          <a:p>
+            <a:r>
+              <a:rPr lang="en-US" b="1" dirty="0"/>
+              <a:t>Motors Speed Lab</a:t>
+            </a:r>
+          </a:p>
+        </p:txBody>
+      </p:sp>
+      <p:sp>
+        <p:nvSpPr>
+          <p:cNvPr id="8" name="TextBox 7">
+            <a:extLst>
+              <a:ext uri="{FF2B5EF4-FFF2-40B4-BE49-F238E27FC236}">
+                <a16:creationId xmlns:a16="http://schemas.microsoft.com/office/drawing/2014/main" id="{923C9116-E710-D2D9-F9D9-DA85DFB9F0D9}"/>
+              </a:ext>
+            </a:extLst>
+          </p:cNvPr>
+          <p:cNvSpPr txBox="1"/>
+          <p:nvPr/>
+        </p:nvSpPr>
+        <p:spPr>
+          <a:xfrm>
+            <a:off x="8735708" y="4369021"/>
+            <a:ext cx="777777" cy="923330"/>
+          </a:xfrm>
+          <a:prstGeom prst="rect">
+            <a:avLst/>
+          </a:prstGeom>
+          <a:noFill/>
+        </p:spPr>
+        <p:txBody>
+          <a:bodyPr wrap="none" rtlCol="0">
+            <a:spAutoFit/>
+          </a:bodyPr>
+          <a:lstStyle/>
+          <a:p>
+            <a:pPr algn="ctr"/>
+            <a:r>
+              <a:rPr lang="en-US" b="1" dirty="0"/>
+              <a:t>Pulse</a:t>
+            </a:r>
+          </a:p>
+          <a:p>
+            <a:pPr algn="ctr"/>
+            <a:r>
+              <a:rPr lang="en-US" b="1" dirty="0"/>
+              <a:t>Width</a:t>
+            </a:r>
+          </a:p>
+          <a:p>
+            <a:pPr algn="ctr"/>
+            <a:r>
+              <a:rPr lang="en-US" b="1" dirty="0"/>
+              <a:t>Lab</a:t>
+            </a:r>
+          </a:p>
+        </p:txBody>
+      </p:sp>
+    </p:spTree>
+    <p:extLst>
+      <p:ext uri="{BB962C8B-B14F-4D97-AF65-F5344CB8AC3E}">
+        <p14:creationId xmlns:p14="http://schemas.microsoft.com/office/powerpoint/2010/main" val="332811808"/>
+      </p:ext>
+    </p:extLst>
+  </p:cSld>
+  <p:clrMapOvr>
+    <a:masterClrMapping/>
+  </p:clrMapOvr>
+</p:sld>
+</file>
+
+<file path=ppt/slides/slide3.xml><?xml version="1.0" encoding="utf-8"?>
+<p:sld xmlns:a="http://schemas.openxmlformats.org/drawingml/2006/main" xmlns:r="http://schemas.openxmlformats.org/officeDocument/2006/relationships" xmlns:p="http://schemas.openxmlformats.org/presentationml/2006/main">
+  <p:cSld>
+    <p:spTree>
+      <p:nvGrpSpPr>
+        <p:cNvPr id="1" name=""/>
+        <p:cNvGrpSpPr/>
+        <p:nvPr/>
+      </p:nvGrpSpPr>
+      <p:grpSpPr>
+        <a:xfrm>
+          <a:off x="0" y="0"/>
+          <a:ext cx="0" cy="0"/>
+          <a:chOff x="0" y="0"/>
+          <a:chExt cx="0" cy="0"/>
+        </a:xfrm>
+      </p:grpSpPr>
+      <p:sp>
+        <p:nvSpPr>
+          <p:cNvPr id="2" name="Title 1">
+            <a:extLst>
+              <a:ext uri="{FF2B5EF4-FFF2-40B4-BE49-F238E27FC236}">
+                <a16:creationId xmlns:a16="http://schemas.microsoft.com/office/drawing/2014/main" id="{E6844328-F9D1-F553-B9CB-7F6EAFD771AA}"/>
+              </a:ext>
+            </a:extLst>
+          </p:cNvPr>
+          <p:cNvSpPr>
+            <a:spLocks noGrp="1"/>
+          </p:cNvSpPr>
+          <p:nvPr>
+            <p:ph type="title"/>
+          </p:nvPr>
+        </p:nvSpPr>
+        <p:spPr>
+          <a:xfrm>
+            <a:off x="166171" y="91635"/>
+            <a:ext cx="10515600" cy="472157"/>
+          </a:xfrm>
+        </p:spPr>
+        <p:txBody>
+          <a:bodyPr>
+            <a:normAutofit fontScale="90000"/>
+          </a:bodyPr>
+          <a:lstStyle/>
+          <a:p>
+            <a:r>
+              <a:rPr lang="en-US" dirty="0"/>
+              <a:t>H-Bridge Diagram</a:t>
+            </a:r>
+          </a:p>
+        </p:txBody>
+      </p:sp>
+      <p:sp>
+        <p:nvSpPr>
+          <p:cNvPr id="3" name="Content Placeholder 2">
+            <a:extLst>
+              <a:ext uri="{FF2B5EF4-FFF2-40B4-BE49-F238E27FC236}">
+                <a16:creationId xmlns:a16="http://schemas.microsoft.com/office/drawing/2014/main" id="{5F2D739A-2FE3-F96A-B492-BE8641BA6CBD}"/>
+              </a:ext>
+            </a:extLst>
+          </p:cNvPr>
+          <p:cNvSpPr>
+            <a:spLocks noGrp="1"/>
+          </p:cNvSpPr>
+          <p:nvPr>
+            <p:ph idx="1"/>
+          </p:nvPr>
+        </p:nvSpPr>
+        <p:spPr>
+          <a:xfrm>
+            <a:off x="838200" y="5431315"/>
+            <a:ext cx="10515600" cy="745647"/>
+          </a:xfrm>
+        </p:spPr>
+        <p:txBody>
+          <a:bodyPr/>
+          <a:lstStyle/>
+          <a:p>
+            <a:endParaRPr lang="en-US" dirty="0"/>
+          </a:p>
+        </p:txBody>
+      </p:sp>
+      <p:sp>
+        <p:nvSpPr>
+          <p:cNvPr id="4" name="Rectangle 3">
+            <a:extLst>
+              <a:ext uri="{FF2B5EF4-FFF2-40B4-BE49-F238E27FC236}">
+                <a16:creationId xmlns:a16="http://schemas.microsoft.com/office/drawing/2014/main" id="{A4D5F6E2-1225-036E-148A-97FDFCED32A0}"/>
+              </a:ext>
+            </a:extLst>
+          </p:cNvPr>
+          <p:cNvSpPr/>
+          <p:nvPr/>
+        </p:nvSpPr>
+        <p:spPr>
+          <a:xfrm>
+            <a:off x="2126255" y="1521293"/>
+            <a:ext cx="374574" cy="2952521"/>
+          </a:xfrm>
+          <a:prstGeom prst="rect">
+            <a:avLst/>
+          </a:prstGeom>
+          <a:solidFill>
+            <a:srgbClr val="0432FF"/>
+          </a:solidFill>
+          <a:ln>
+            <a:noFill/>
+          </a:ln>
+        </p:spPr>
+        <p:style>
+          <a:lnRef idx="2">
+            <a:schemeClr val="accent1">
+              <a:shade val="15000"/>
+            </a:schemeClr>
+          </a:lnRef>
+          <a:fillRef idx="1">
+            <a:schemeClr val="accent1"/>
+          </a:fillRef>
+          <a:effectRef idx="0">
+            <a:schemeClr val="accent1"/>
+          </a:effectRef>
+          <a:fontRef idx="minor">
+            <a:schemeClr val="lt1"/>
+          </a:fontRef>
+        </p:style>
+        <p:txBody>
+          <a:bodyPr rtlCol="0" anchor="ctr"/>
+          <a:lstStyle/>
+          <a:p>
+            <a:pPr algn="ctr"/>
+            <a:endParaRPr lang="en-US"/>
+          </a:p>
+        </p:txBody>
+      </p:sp>
+      <p:sp>
+        <p:nvSpPr>
+          <p:cNvPr id="5" name="Rectangle 4">
+            <a:extLst>
+              <a:ext uri="{FF2B5EF4-FFF2-40B4-BE49-F238E27FC236}">
+                <a16:creationId xmlns:a16="http://schemas.microsoft.com/office/drawing/2014/main" id="{59BD124B-6707-7834-45A1-A07E3EB21C39}"/>
+              </a:ext>
+            </a:extLst>
+          </p:cNvPr>
+          <p:cNvSpPr/>
+          <p:nvPr/>
+        </p:nvSpPr>
+        <p:spPr>
+          <a:xfrm>
+            <a:off x="3933022" y="1521293"/>
+            <a:ext cx="374574" cy="2952521"/>
+          </a:xfrm>
+          <a:prstGeom prst="rect">
+            <a:avLst/>
+          </a:prstGeom>
+          <a:solidFill>
+            <a:srgbClr val="0432FF"/>
+          </a:solidFill>
+          <a:ln>
+            <a:noFill/>
+          </a:ln>
+        </p:spPr>
+        <p:style>
+          <a:lnRef idx="2">
+            <a:schemeClr val="accent1">
+              <a:shade val="15000"/>
+            </a:schemeClr>
+          </a:lnRef>
+          <a:fillRef idx="1">
+            <a:schemeClr val="accent1"/>
+          </a:fillRef>
+          <a:effectRef idx="0">
+            <a:schemeClr val="accent1"/>
+          </a:effectRef>
+          <a:fontRef idx="minor">
+            <a:schemeClr val="lt1"/>
+          </a:fontRef>
+        </p:style>
+        <p:txBody>
+          <a:bodyPr rtlCol="0" anchor="ctr"/>
+          <a:lstStyle/>
+          <a:p>
+            <a:pPr algn="ctr"/>
+            <a:endParaRPr lang="en-US"/>
+          </a:p>
+        </p:txBody>
+      </p:sp>
+      <p:sp>
+        <p:nvSpPr>
+          <p:cNvPr id="6" name="Rectangle 5">
+            <a:extLst>
+              <a:ext uri="{FF2B5EF4-FFF2-40B4-BE49-F238E27FC236}">
+                <a16:creationId xmlns:a16="http://schemas.microsoft.com/office/drawing/2014/main" id="{F88B526D-7E1B-DE66-4843-B2344BF8C8FD}"/>
+              </a:ext>
+            </a:extLst>
+          </p:cNvPr>
+          <p:cNvSpPr/>
+          <p:nvPr/>
+        </p:nvSpPr>
+        <p:spPr>
+          <a:xfrm>
+            <a:off x="2126256" y="2813939"/>
+            <a:ext cx="2181340" cy="367230"/>
+          </a:xfrm>
+          <a:prstGeom prst="rect">
+            <a:avLst/>
+          </a:prstGeom>
+          <a:solidFill>
+            <a:srgbClr val="0432FF"/>
+          </a:solidFill>
+          <a:ln>
+            <a:noFill/>
+          </a:ln>
+        </p:spPr>
+        <p:style>
+          <a:lnRef idx="2">
+            <a:schemeClr val="accent1">
+              <a:shade val="15000"/>
+            </a:schemeClr>
+          </a:lnRef>
+          <a:fillRef idx="1">
+            <a:schemeClr val="accent1"/>
+          </a:fillRef>
+          <a:effectRef idx="0">
+            <a:schemeClr val="accent1"/>
+          </a:effectRef>
+          <a:fontRef idx="minor">
+            <a:schemeClr val="lt1"/>
+          </a:fontRef>
+        </p:style>
+        <p:txBody>
+          <a:bodyPr rtlCol="0" anchor="ctr"/>
+          <a:lstStyle/>
+          <a:p>
+            <a:pPr algn="ctr"/>
+            <a:endParaRPr lang="en-US"/>
+          </a:p>
+        </p:txBody>
+      </p:sp>
+      <p:sp>
+        <p:nvSpPr>
+          <p:cNvPr id="10" name="Rectangle 9">
+            <a:extLst>
+              <a:ext uri="{FF2B5EF4-FFF2-40B4-BE49-F238E27FC236}">
+                <a16:creationId xmlns:a16="http://schemas.microsoft.com/office/drawing/2014/main" id="{CB522179-15C2-5AFD-BD53-D36DBFF709F5}"/>
+              </a:ext>
+            </a:extLst>
+          </p:cNvPr>
+          <p:cNvSpPr/>
+          <p:nvPr/>
+        </p:nvSpPr>
+        <p:spPr>
+          <a:xfrm>
+            <a:off x="7150498" y="1422141"/>
+            <a:ext cx="374574" cy="2952521"/>
+          </a:xfrm>
+          <a:prstGeom prst="rect">
+            <a:avLst/>
+          </a:prstGeom>
+          <a:solidFill>
+            <a:srgbClr val="0432FF"/>
+          </a:solidFill>
+          <a:ln>
+            <a:noFill/>
+          </a:ln>
+        </p:spPr>
+        <p:style>
+          <a:lnRef idx="2">
+            <a:schemeClr val="accent1">
+              <a:shade val="15000"/>
+            </a:schemeClr>
+          </a:lnRef>
+          <a:fillRef idx="1">
+            <a:schemeClr val="accent1"/>
+          </a:fillRef>
+          <a:effectRef idx="0">
+            <a:schemeClr val="accent1"/>
+          </a:effectRef>
+          <a:fontRef idx="minor">
+            <a:schemeClr val="lt1"/>
+          </a:fontRef>
+        </p:style>
+        <p:txBody>
+          <a:bodyPr rtlCol="0" anchor="ctr"/>
+          <a:lstStyle/>
+          <a:p>
+            <a:pPr algn="ctr"/>
+            <a:endParaRPr lang="en-US"/>
+          </a:p>
+        </p:txBody>
+      </p:sp>
+      <p:sp>
+        <p:nvSpPr>
+          <p:cNvPr id="11" name="Rectangle 10">
+            <a:extLst>
+              <a:ext uri="{FF2B5EF4-FFF2-40B4-BE49-F238E27FC236}">
+                <a16:creationId xmlns:a16="http://schemas.microsoft.com/office/drawing/2014/main" id="{CD9B4B09-15E8-F215-33CF-12A82631B95E}"/>
+              </a:ext>
+            </a:extLst>
+          </p:cNvPr>
+          <p:cNvSpPr/>
+          <p:nvPr/>
+        </p:nvSpPr>
+        <p:spPr>
+          <a:xfrm>
+            <a:off x="8957265" y="1422141"/>
+            <a:ext cx="374574" cy="2952521"/>
+          </a:xfrm>
+          <a:prstGeom prst="rect">
+            <a:avLst/>
+          </a:prstGeom>
+          <a:solidFill>
+            <a:srgbClr val="0432FF"/>
+          </a:solidFill>
+          <a:ln>
+            <a:noFill/>
+          </a:ln>
+        </p:spPr>
+        <p:style>
+          <a:lnRef idx="2">
+            <a:schemeClr val="accent1">
+              <a:shade val="15000"/>
+            </a:schemeClr>
+          </a:lnRef>
+          <a:fillRef idx="1">
+            <a:schemeClr val="accent1"/>
+          </a:fillRef>
+          <a:effectRef idx="0">
+            <a:schemeClr val="accent1"/>
+          </a:effectRef>
+          <a:fontRef idx="minor">
+            <a:schemeClr val="lt1"/>
+          </a:fontRef>
+        </p:style>
+        <p:txBody>
+          <a:bodyPr rtlCol="0" anchor="ctr"/>
+          <a:lstStyle/>
+          <a:p>
+            <a:pPr algn="ctr"/>
+            <a:endParaRPr lang="en-US"/>
+          </a:p>
+        </p:txBody>
+      </p:sp>
+      <p:sp>
+        <p:nvSpPr>
+          <p:cNvPr id="12" name="Rectangle 11">
+            <a:extLst>
+              <a:ext uri="{FF2B5EF4-FFF2-40B4-BE49-F238E27FC236}">
+                <a16:creationId xmlns:a16="http://schemas.microsoft.com/office/drawing/2014/main" id="{58412510-05DD-B0E0-AD5C-71DBEE6747F1}"/>
+              </a:ext>
+            </a:extLst>
+          </p:cNvPr>
+          <p:cNvSpPr/>
+          <p:nvPr/>
+        </p:nvSpPr>
+        <p:spPr>
+          <a:xfrm>
+            <a:off x="7150499" y="2714787"/>
+            <a:ext cx="2181340" cy="367230"/>
+          </a:xfrm>
+          <a:prstGeom prst="rect">
+            <a:avLst/>
+          </a:prstGeom>
+          <a:solidFill>
+            <a:srgbClr val="0432FF"/>
+          </a:solidFill>
+          <a:ln>
+            <a:noFill/>
+          </a:ln>
+        </p:spPr>
+        <p:style>
+          <a:lnRef idx="2">
+            <a:schemeClr val="accent1">
+              <a:shade val="15000"/>
+            </a:schemeClr>
+          </a:lnRef>
+          <a:fillRef idx="1">
+            <a:schemeClr val="accent1"/>
+          </a:fillRef>
+          <a:effectRef idx="0">
+            <a:schemeClr val="accent1"/>
+          </a:effectRef>
+          <a:fontRef idx="minor">
+            <a:schemeClr val="lt1"/>
+          </a:fontRef>
+        </p:style>
+        <p:txBody>
+          <a:bodyPr rtlCol="0" anchor="ctr"/>
+          <a:lstStyle/>
+          <a:p>
+            <a:pPr algn="ctr"/>
+            <a:endParaRPr lang="en-US"/>
+          </a:p>
+        </p:txBody>
+      </p:sp>
+      <p:grpSp>
+        <p:nvGrpSpPr>
+          <p:cNvPr id="22" name="Group 21">
+            <a:extLst>
+              <a:ext uri="{FF2B5EF4-FFF2-40B4-BE49-F238E27FC236}">
+                <a16:creationId xmlns:a16="http://schemas.microsoft.com/office/drawing/2014/main" id="{56248EF5-DB7C-6567-ECEB-26A86BE8F8EA}"/>
+              </a:ext>
+            </a:extLst>
+          </p:cNvPr>
+          <p:cNvGrpSpPr/>
+          <p:nvPr/>
+        </p:nvGrpSpPr>
+        <p:grpSpPr>
+          <a:xfrm>
+            <a:off x="6824646" y="1877782"/>
+            <a:ext cx="700426" cy="473725"/>
+            <a:chOff x="5643453" y="2082188"/>
+            <a:chExt cx="700426" cy="473725"/>
+          </a:xfrm>
+        </p:grpSpPr>
+        <p:sp>
+          <p:nvSpPr>
+            <p:cNvPr id="13" name="Rectangle 12">
+              <a:extLst>
+                <a:ext uri="{FF2B5EF4-FFF2-40B4-BE49-F238E27FC236}">
+                  <a16:creationId xmlns:a16="http://schemas.microsoft.com/office/drawing/2014/main" id="{D9E49AFB-A9B9-0406-B434-B1F8D38A4D5E}"/>
+                </a:ext>
+              </a:extLst>
+            </p:cNvPr>
+            <p:cNvSpPr/>
+            <p:nvPr/>
+          </p:nvSpPr>
+          <p:spPr>
+            <a:xfrm>
+              <a:off x="5969305" y="2082188"/>
+              <a:ext cx="374574" cy="473725"/>
+            </a:xfrm>
+            <a:prstGeom prst="rect">
+              <a:avLst/>
+            </a:prstGeom>
+            <a:solidFill>
+              <a:schemeClr val="bg1"/>
+            </a:solidFill>
+            <a:ln>
+              <a:noFill/>
+            </a:ln>
+          </p:spPr>
+          <p:style>
+            <a:lnRef idx="2">
+              <a:schemeClr val="accent1">
+                <a:shade val="15000"/>
+              </a:schemeClr>
+            </a:lnRef>
+            <a:fillRef idx="1">
+              <a:schemeClr val="accent1"/>
+            </a:fillRef>
+            <a:effectRef idx="0">
+              <a:schemeClr val="accent1"/>
+            </a:effectRef>
+            <a:fontRef idx="minor">
+              <a:schemeClr val="lt1"/>
+            </a:fontRef>
+          </p:style>
+          <p:txBody>
+            <a:bodyPr rtlCol="0" anchor="ctr"/>
+            <a:lstStyle/>
+            <a:p>
+              <a:pPr algn="ctr"/>
+              <a:endParaRPr lang="en-US"/>
+            </a:p>
+          </p:txBody>
+        </p:sp>
+        <p:cxnSp>
+          <p:nvCxnSpPr>
+            <p:cNvPr id="15" name="Straight Connector 14">
+              <a:extLst>
+                <a:ext uri="{FF2B5EF4-FFF2-40B4-BE49-F238E27FC236}">
+                  <a16:creationId xmlns:a16="http://schemas.microsoft.com/office/drawing/2014/main" id="{3A1D9E86-D2D8-70E8-E7B4-89FAB4091DBB}"/>
+                </a:ext>
+              </a:extLst>
+            </p:cNvPr>
+            <p:cNvCxnSpPr>
+              <a:cxnSpLocks/>
+            </p:cNvCxnSpPr>
+            <p:nvPr/>
+          </p:nvCxnSpPr>
+          <p:spPr>
+            <a:xfrm flipH="1">
+              <a:off x="5643453" y="2082188"/>
+              <a:ext cx="366458" cy="353885"/>
+            </a:xfrm>
+            <a:prstGeom prst="line">
+              <a:avLst/>
+            </a:prstGeom>
+            <a:ln w="76200" cap="rnd">
+              <a:solidFill>
+                <a:schemeClr val="tx1"/>
+              </a:solidFill>
+            </a:ln>
+          </p:spPr>
+          <p:style>
+            <a:lnRef idx="1">
+              <a:schemeClr val="accent1"/>
+            </a:lnRef>
+            <a:fillRef idx="0">
+              <a:schemeClr val="accent1"/>
+            </a:fillRef>
+            <a:effectRef idx="0">
+              <a:schemeClr val="accent1"/>
+            </a:effectRef>
+            <a:fontRef idx="minor">
+              <a:schemeClr val="tx1"/>
+            </a:fontRef>
+          </p:style>
+        </p:cxnSp>
+      </p:grpSp>
+      <p:grpSp>
+        <p:nvGrpSpPr>
+          <p:cNvPr id="23" name="Group 22">
+            <a:extLst>
+              <a:ext uri="{FF2B5EF4-FFF2-40B4-BE49-F238E27FC236}">
+                <a16:creationId xmlns:a16="http://schemas.microsoft.com/office/drawing/2014/main" id="{A60D989D-4348-A7B0-2A77-7154363508DD}"/>
+              </a:ext>
+            </a:extLst>
+          </p:cNvPr>
+          <p:cNvGrpSpPr/>
+          <p:nvPr/>
+        </p:nvGrpSpPr>
+        <p:grpSpPr>
+          <a:xfrm>
+            <a:off x="6824646" y="3368110"/>
+            <a:ext cx="700426" cy="473725"/>
+            <a:chOff x="5643453" y="2082188"/>
+            <a:chExt cx="700426" cy="473725"/>
+          </a:xfrm>
+        </p:grpSpPr>
+        <p:sp>
+          <p:nvSpPr>
+            <p:cNvPr id="24" name="Rectangle 23">
+              <a:extLst>
+                <a:ext uri="{FF2B5EF4-FFF2-40B4-BE49-F238E27FC236}">
+                  <a16:creationId xmlns:a16="http://schemas.microsoft.com/office/drawing/2014/main" id="{EE398EC1-A066-06A9-EB8F-CE046AD1FDB7}"/>
+                </a:ext>
+              </a:extLst>
+            </p:cNvPr>
+            <p:cNvSpPr/>
+            <p:nvPr/>
+          </p:nvSpPr>
+          <p:spPr>
+            <a:xfrm>
+              <a:off x="5969305" y="2082188"/>
+              <a:ext cx="374574" cy="473725"/>
+            </a:xfrm>
+            <a:prstGeom prst="rect">
+              <a:avLst/>
+            </a:prstGeom>
+            <a:solidFill>
+              <a:schemeClr val="bg1"/>
+            </a:solidFill>
+            <a:ln>
+              <a:noFill/>
+            </a:ln>
+          </p:spPr>
+          <p:style>
+            <a:lnRef idx="2">
+              <a:schemeClr val="accent1">
+                <a:shade val="15000"/>
+              </a:schemeClr>
+            </a:lnRef>
+            <a:fillRef idx="1">
+              <a:schemeClr val="accent1"/>
+            </a:fillRef>
+            <a:effectRef idx="0">
+              <a:schemeClr val="accent1"/>
+            </a:effectRef>
+            <a:fontRef idx="minor">
+              <a:schemeClr val="lt1"/>
+            </a:fontRef>
+          </p:style>
+          <p:txBody>
+            <a:bodyPr rtlCol="0" anchor="ctr"/>
+            <a:lstStyle/>
+            <a:p>
+              <a:pPr algn="ctr"/>
+              <a:endParaRPr lang="en-US"/>
+            </a:p>
+          </p:txBody>
+        </p:sp>
+        <p:cxnSp>
+          <p:nvCxnSpPr>
+            <p:cNvPr id="25" name="Straight Connector 24">
+              <a:extLst>
+                <a:ext uri="{FF2B5EF4-FFF2-40B4-BE49-F238E27FC236}">
+                  <a16:creationId xmlns:a16="http://schemas.microsoft.com/office/drawing/2014/main" id="{D296754F-8744-F886-7048-58FEEF3B4B5D}"/>
+                </a:ext>
+              </a:extLst>
+            </p:cNvPr>
+            <p:cNvCxnSpPr>
+              <a:cxnSpLocks/>
+            </p:cNvCxnSpPr>
+            <p:nvPr/>
+          </p:nvCxnSpPr>
+          <p:spPr>
+            <a:xfrm flipH="1">
+              <a:off x="5643453" y="2082188"/>
+              <a:ext cx="366458" cy="353885"/>
+            </a:xfrm>
+            <a:prstGeom prst="line">
+              <a:avLst/>
+            </a:prstGeom>
+            <a:ln w="76200" cap="rnd">
+              <a:solidFill>
+                <a:schemeClr val="tx1"/>
+              </a:solidFill>
+            </a:ln>
+          </p:spPr>
+          <p:style>
+            <a:lnRef idx="1">
+              <a:schemeClr val="accent1"/>
+            </a:lnRef>
+            <a:fillRef idx="0">
+              <a:schemeClr val="accent1"/>
+            </a:fillRef>
+            <a:effectRef idx="0">
+              <a:schemeClr val="accent1"/>
+            </a:effectRef>
+            <a:fontRef idx="minor">
+              <a:schemeClr val="tx1"/>
+            </a:fontRef>
+          </p:style>
+        </p:cxnSp>
+      </p:grpSp>
+      <p:grpSp>
+        <p:nvGrpSpPr>
+          <p:cNvPr id="26" name="Group 25">
+            <a:extLst>
+              <a:ext uri="{FF2B5EF4-FFF2-40B4-BE49-F238E27FC236}">
+                <a16:creationId xmlns:a16="http://schemas.microsoft.com/office/drawing/2014/main" id="{07CC00C9-75C4-F9BA-9B9A-0B1115DF27B5}"/>
+              </a:ext>
+            </a:extLst>
+          </p:cNvPr>
+          <p:cNvGrpSpPr/>
+          <p:nvPr/>
+        </p:nvGrpSpPr>
+        <p:grpSpPr>
+          <a:xfrm>
+            <a:off x="8629576" y="3368110"/>
+            <a:ext cx="700426" cy="473725"/>
+            <a:chOff x="5643453" y="2082188"/>
+            <a:chExt cx="700426" cy="473725"/>
+          </a:xfrm>
+        </p:grpSpPr>
+        <p:sp>
+          <p:nvSpPr>
+            <p:cNvPr id="27" name="Rectangle 26">
+              <a:extLst>
+                <a:ext uri="{FF2B5EF4-FFF2-40B4-BE49-F238E27FC236}">
+                  <a16:creationId xmlns:a16="http://schemas.microsoft.com/office/drawing/2014/main" id="{0242DEC2-4F41-4E65-6A25-64D9D4374492}"/>
+                </a:ext>
+              </a:extLst>
+            </p:cNvPr>
+            <p:cNvSpPr/>
+            <p:nvPr/>
+          </p:nvSpPr>
+          <p:spPr>
+            <a:xfrm>
+              <a:off x="5969305" y="2082188"/>
+              <a:ext cx="374574" cy="473725"/>
+            </a:xfrm>
+            <a:prstGeom prst="rect">
+              <a:avLst/>
+            </a:prstGeom>
+            <a:solidFill>
+              <a:schemeClr val="bg1"/>
+            </a:solidFill>
+            <a:ln>
+              <a:noFill/>
+            </a:ln>
+          </p:spPr>
+          <p:style>
+            <a:lnRef idx="2">
+              <a:schemeClr val="accent1">
+                <a:shade val="15000"/>
+              </a:schemeClr>
+            </a:lnRef>
+            <a:fillRef idx="1">
+              <a:schemeClr val="accent1"/>
+            </a:fillRef>
+            <a:effectRef idx="0">
+              <a:schemeClr val="accent1"/>
+            </a:effectRef>
+            <a:fontRef idx="minor">
+              <a:schemeClr val="lt1"/>
+            </a:fontRef>
+          </p:style>
+          <p:txBody>
+            <a:bodyPr rtlCol="0" anchor="ctr"/>
+            <a:lstStyle/>
+            <a:p>
+              <a:pPr algn="ctr"/>
+              <a:endParaRPr lang="en-US"/>
+            </a:p>
+          </p:txBody>
+        </p:sp>
+        <p:cxnSp>
+          <p:nvCxnSpPr>
+            <p:cNvPr id="28" name="Straight Connector 27">
+              <a:extLst>
+                <a:ext uri="{FF2B5EF4-FFF2-40B4-BE49-F238E27FC236}">
+                  <a16:creationId xmlns:a16="http://schemas.microsoft.com/office/drawing/2014/main" id="{E1487FA5-9BA2-A841-FF5D-1B7D282A4B55}"/>
+                </a:ext>
+              </a:extLst>
+            </p:cNvPr>
+            <p:cNvCxnSpPr>
+              <a:cxnSpLocks/>
+            </p:cNvCxnSpPr>
+            <p:nvPr/>
+          </p:nvCxnSpPr>
+          <p:spPr>
+            <a:xfrm flipH="1">
+              <a:off x="5643453" y="2082188"/>
+              <a:ext cx="366458" cy="353885"/>
+            </a:xfrm>
+            <a:prstGeom prst="line">
+              <a:avLst/>
+            </a:prstGeom>
+            <a:ln w="76200" cap="rnd">
+              <a:solidFill>
+                <a:schemeClr val="tx1"/>
+              </a:solidFill>
+            </a:ln>
+          </p:spPr>
+          <p:style>
+            <a:lnRef idx="1">
+              <a:schemeClr val="accent1"/>
+            </a:lnRef>
+            <a:fillRef idx="0">
+              <a:schemeClr val="accent1"/>
+            </a:fillRef>
+            <a:effectRef idx="0">
+              <a:schemeClr val="accent1"/>
+            </a:effectRef>
+            <a:fontRef idx="minor">
+              <a:schemeClr val="tx1"/>
+            </a:fontRef>
+          </p:style>
+        </p:cxnSp>
+      </p:grpSp>
+      <p:grpSp>
+        <p:nvGrpSpPr>
+          <p:cNvPr id="29" name="Group 28">
+            <a:extLst>
+              <a:ext uri="{FF2B5EF4-FFF2-40B4-BE49-F238E27FC236}">
+                <a16:creationId xmlns:a16="http://schemas.microsoft.com/office/drawing/2014/main" id="{6D6C9ABE-8521-17EE-592F-70C0C83B5CED}"/>
+              </a:ext>
+            </a:extLst>
+          </p:cNvPr>
+          <p:cNvGrpSpPr/>
+          <p:nvPr/>
+        </p:nvGrpSpPr>
+        <p:grpSpPr>
+          <a:xfrm>
+            <a:off x="8623297" y="1825257"/>
+            <a:ext cx="708542" cy="473725"/>
+            <a:chOff x="5643453" y="2082188"/>
+            <a:chExt cx="708542" cy="473725"/>
+          </a:xfrm>
+        </p:grpSpPr>
+        <p:sp>
+          <p:nvSpPr>
+            <p:cNvPr id="30" name="Rectangle 29">
+              <a:extLst>
+                <a:ext uri="{FF2B5EF4-FFF2-40B4-BE49-F238E27FC236}">
+                  <a16:creationId xmlns:a16="http://schemas.microsoft.com/office/drawing/2014/main" id="{076039A4-027F-A993-53E2-20ED5ADB652A}"/>
+                </a:ext>
+              </a:extLst>
+            </p:cNvPr>
+            <p:cNvSpPr/>
+            <p:nvPr/>
+          </p:nvSpPr>
+          <p:spPr>
+            <a:xfrm>
+              <a:off x="5969305" y="2082188"/>
+              <a:ext cx="382690" cy="473725"/>
+            </a:xfrm>
+            <a:prstGeom prst="rect">
+              <a:avLst/>
+            </a:prstGeom>
+            <a:solidFill>
+              <a:schemeClr val="bg1"/>
+            </a:solidFill>
+            <a:ln>
+              <a:noFill/>
+            </a:ln>
+          </p:spPr>
+          <p:style>
+            <a:lnRef idx="2">
+              <a:schemeClr val="accent1">
+                <a:shade val="15000"/>
+              </a:schemeClr>
+            </a:lnRef>
+            <a:fillRef idx="1">
+              <a:schemeClr val="accent1"/>
+            </a:fillRef>
+            <a:effectRef idx="0">
+              <a:schemeClr val="accent1"/>
+            </a:effectRef>
+            <a:fontRef idx="minor">
+              <a:schemeClr val="lt1"/>
+            </a:fontRef>
+          </p:style>
+          <p:txBody>
+            <a:bodyPr rtlCol="0" anchor="ctr"/>
+            <a:lstStyle/>
+            <a:p>
+              <a:pPr algn="ctr"/>
+              <a:endParaRPr lang="en-US"/>
+            </a:p>
+          </p:txBody>
+        </p:sp>
+        <p:cxnSp>
+          <p:nvCxnSpPr>
+            <p:cNvPr id="31" name="Straight Connector 30">
+              <a:extLst>
+                <a:ext uri="{FF2B5EF4-FFF2-40B4-BE49-F238E27FC236}">
+                  <a16:creationId xmlns:a16="http://schemas.microsoft.com/office/drawing/2014/main" id="{67376232-E30C-551B-EEF7-37F2ACBE5E64}"/>
+                </a:ext>
+              </a:extLst>
+            </p:cNvPr>
+            <p:cNvCxnSpPr>
+              <a:cxnSpLocks/>
+            </p:cNvCxnSpPr>
+            <p:nvPr/>
+          </p:nvCxnSpPr>
+          <p:spPr>
+            <a:xfrm flipH="1">
+              <a:off x="5643453" y="2082188"/>
+              <a:ext cx="366458" cy="353885"/>
+            </a:xfrm>
+            <a:prstGeom prst="line">
+              <a:avLst/>
+            </a:prstGeom>
+            <a:ln w="76200" cap="rnd">
+              <a:solidFill>
+                <a:schemeClr val="tx1"/>
+              </a:solidFill>
+            </a:ln>
+          </p:spPr>
+          <p:style>
+            <a:lnRef idx="1">
+              <a:schemeClr val="accent1"/>
+            </a:lnRef>
+            <a:fillRef idx="0">
+              <a:schemeClr val="accent1"/>
+            </a:fillRef>
+            <a:effectRef idx="0">
+              <a:schemeClr val="accent1"/>
+            </a:effectRef>
+            <a:fontRef idx="minor">
+              <a:schemeClr val="tx1"/>
+            </a:fontRef>
+          </p:style>
+        </p:cxnSp>
+      </p:grpSp>
+      <p:sp>
+        <p:nvSpPr>
+          <p:cNvPr id="32" name="Oval 31">
+            <a:extLst>
+              <a:ext uri="{FF2B5EF4-FFF2-40B4-BE49-F238E27FC236}">
+                <a16:creationId xmlns:a16="http://schemas.microsoft.com/office/drawing/2014/main" id="{0E05BD2E-E8D8-3B58-8DB0-3590640905C2}"/>
+              </a:ext>
+            </a:extLst>
+          </p:cNvPr>
+          <p:cNvSpPr/>
+          <p:nvPr/>
+        </p:nvSpPr>
+        <p:spPr>
+          <a:xfrm>
+            <a:off x="7989231" y="2646366"/>
+            <a:ext cx="495759" cy="504069"/>
+          </a:xfrm>
+          <a:prstGeom prst="ellipse">
+            <a:avLst/>
+          </a:prstGeom>
+          <a:solidFill>
+            <a:srgbClr val="00B050"/>
+          </a:solidFill>
+        </p:spPr>
+        <p:style>
+          <a:lnRef idx="2">
+            <a:schemeClr val="accent1">
+              <a:shade val="15000"/>
+            </a:schemeClr>
+          </a:lnRef>
+          <a:fillRef idx="1">
+            <a:schemeClr val="accent1"/>
+          </a:fillRef>
+          <a:effectRef idx="0">
+            <a:schemeClr val="accent1"/>
+          </a:effectRef>
+          <a:fontRef idx="minor">
+            <a:schemeClr val="lt1"/>
+          </a:fontRef>
+        </p:style>
+        <p:txBody>
+          <a:bodyPr rtlCol="0" anchor="ctr"/>
+          <a:lstStyle/>
+          <a:p>
+            <a:pPr algn="ctr"/>
+            <a:endParaRPr lang="en-US"/>
+          </a:p>
+        </p:txBody>
+      </p:sp>
+      <p:cxnSp>
+        <p:nvCxnSpPr>
+          <p:cNvPr id="34" name="Straight Connector 33">
+            <a:extLst>
+              <a:ext uri="{FF2B5EF4-FFF2-40B4-BE49-F238E27FC236}">
+                <a16:creationId xmlns:a16="http://schemas.microsoft.com/office/drawing/2014/main" id="{6C2207F7-6C49-DEFC-605E-FDA5AB646D43}"/>
+              </a:ext>
+            </a:extLst>
+          </p:cNvPr>
+          <p:cNvCxnSpPr>
+            <a:cxnSpLocks/>
+          </p:cNvCxnSpPr>
+          <p:nvPr/>
+        </p:nvCxnSpPr>
+        <p:spPr>
+          <a:xfrm flipV="1">
+            <a:off x="6605164" y="1400107"/>
+            <a:ext cx="3301388" cy="22034"/>
+          </a:xfrm>
+          <a:prstGeom prst="line">
+            <a:avLst/>
+          </a:prstGeom>
+          <a:ln w="38100">
+            <a:solidFill>
+              <a:srgbClr val="FF0000"/>
+            </a:solidFill>
+          </a:ln>
+        </p:spPr>
+        <p:style>
+          <a:lnRef idx="1">
+            <a:schemeClr val="accent1"/>
+          </a:lnRef>
+          <a:fillRef idx="0">
+            <a:schemeClr val="accent1"/>
+          </a:fillRef>
+          <a:effectRef idx="0">
+            <a:schemeClr val="accent1"/>
+          </a:effectRef>
+          <a:fontRef idx="minor">
+            <a:schemeClr val="tx1"/>
+          </a:fontRef>
+        </p:style>
+      </p:cxnSp>
+      <p:cxnSp>
+        <p:nvCxnSpPr>
+          <p:cNvPr id="40" name="Straight Connector 39">
+            <a:extLst>
+              <a:ext uri="{FF2B5EF4-FFF2-40B4-BE49-F238E27FC236}">
+                <a16:creationId xmlns:a16="http://schemas.microsoft.com/office/drawing/2014/main" id="{31A0F0A9-61A1-D6BA-7179-83DE93650130}"/>
+              </a:ext>
+            </a:extLst>
+          </p:cNvPr>
+          <p:cNvCxnSpPr>
+            <a:cxnSpLocks/>
+          </p:cNvCxnSpPr>
+          <p:nvPr/>
+        </p:nvCxnSpPr>
+        <p:spPr>
+          <a:xfrm flipV="1">
+            <a:off x="6605164" y="4349700"/>
+            <a:ext cx="3301388" cy="22034"/>
+          </a:xfrm>
+          <a:prstGeom prst="line">
+            <a:avLst/>
+          </a:prstGeom>
+          <a:ln w="38100">
+            <a:solidFill>
+              <a:schemeClr val="tx1"/>
+            </a:solidFill>
+          </a:ln>
+        </p:spPr>
+        <p:style>
+          <a:lnRef idx="1">
+            <a:schemeClr val="accent1"/>
+          </a:lnRef>
+          <a:fillRef idx="0">
+            <a:schemeClr val="accent1"/>
+          </a:fillRef>
+          <a:effectRef idx="0">
+            <a:schemeClr val="accent1"/>
+          </a:effectRef>
+          <a:fontRef idx="minor">
+            <a:schemeClr val="tx1"/>
+          </a:fontRef>
+        </p:style>
+      </p:cxnSp>
+      <p:sp>
+        <p:nvSpPr>
+          <p:cNvPr id="41" name="TextBox 40">
+            <a:extLst>
+              <a:ext uri="{FF2B5EF4-FFF2-40B4-BE49-F238E27FC236}">
+                <a16:creationId xmlns:a16="http://schemas.microsoft.com/office/drawing/2014/main" id="{2BE3E8DD-5F2C-F22F-C578-B2C475E68248}"/>
+              </a:ext>
+            </a:extLst>
+          </p:cNvPr>
+          <p:cNvSpPr txBox="1"/>
+          <p:nvPr/>
+        </p:nvSpPr>
+        <p:spPr>
+          <a:xfrm>
+            <a:off x="7829041" y="975710"/>
+            <a:ext cx="794256" cy="369332"/>
+          </a:xfrm>
+          <a:prstGeom prst="rect">
+            <a:avLst/>
+          </a:prstGeom>
+          <a:noFill/>
+        </p:spPr>
+        <p:txBody>
+          <a:bodyPr wrap="none" rtlCol="0">
+            <a:spAutoFit/>
+          </a:bodyPr>
+          <a:lstStyle/>
+          <a:p>
+            <a:r>
+              <a:rPr lang="en-US" b="1" dirty="0">
+                <a:solidFill>
+                  <a:srgbClr val="FF0000"/>
+                </a:solidFill>
+              </a:rPr>
+              <a:t>Power</a:t>
+            </a:r>
+          </a:p>
+        </p:txBody>
+      </p:sp>
+      <p:sp>
+        <p:nvSpPr>
+          <p:cNvPr id="42" name="TextBox 41">
+            <a:extLst>
+              <a:ext uri="{FF2B5EF4-FFF2-40B4-BE49-F238E27FC236}">
+                <a16:creationId xmlns:a16="http://schemas.microsoft.com/office/drawing/2014/main" id="{F41B86D6-A883-676C-5D88-774CF748C779}"/>
+              </a:ext>
+            </a:extLst>
+          </p:cNvPr>
+          <p:cNvSpPr txBox="1"/>
+          <p:nvPr/>
+        </p:nvSpPr>
+        <p:spPr>
+          <a:xfrm>
+            <a:off x="7829041" y="4402551"/>
+            <a:ext cx="904799" cy="369332"/>
+          </a:xfrm>
+          <a:prstGeom prst="rect">
+            <a:avLst/>
+          </a:prstGeom>
+          <a:noFill/>
+        </p:spPr>
+        <p:txBody>
+          <a:bodyPr wrap="none" rtlCol="0">
+            <a:spAutoFit/>
+          </a:bodyPr>
+          <a:lstStyle/>
+          <a:p>
+            <a:r>
+              <a:rPr lang="en-US" b="1" dirty="0"/>
+              <a:t>Ground</a:t>
+            </a:r>
+          </a:p>
+        </p:txBody>
+      </p:sp>
+      <p:sp>
+        <p:nvSpPr>
+          <p:cNvPr id="43" name="TextBox 42">
+            <a:extLst>
+              <a:ext uri="{FF2B5EF4-FFF2-40B4-BE49-F238E27FC236}">
+                <a16:creationId xmlns:a16="http://schemas.microsoft.com/office/drawing/2014/main" id="{61EFE13A-0888-4311-E1DD-22A6D73992B6}"/>
+              </a:ext>
+            </a:extLst>
+          </p:cNvPr>
+          <p:cNvSpPr txBox="1"/>
+          <p:nvPr/>
+        </p:nvSpPr>
+        <p:spPr>
+          <a:xfrm>
+            <a:off x="7919751" y="2744514"/>
+            <a:ext cx="649409" cy="307777"/>
+          </a:xfrm>
+          <a:prstGeom prst="rect">
+            <a:avLst/>
+          </a:prstGeom>
+          <a:noFill/>
+        </p:spPr>
+        <p:txBody>
+          <a:bodyPr wrap="none" rtlCol="0">
+            <a:spAutoFit/>
+          </a:bodyPr>
+          <a:lstStyle/>
+          <a:p>
+            <a:r>
+              <a:rPr lang="en-US" sz="1400" dirty="0"/>
+              <a:t>Motor</a:t>
+            </a:r>
+          </a:p>
+        </p:txBody>
+      </p:sp>
+      <p:sp>
+        <p:nvSpPr>
+          <p:cNvPr id="44" name="TextBox 43">
+            <a:extLst>
+              <a:ext uri="{FF2B5EF4-FFF2-40B4-BE49-F238E27FC236}">
+                <a16:creationId xmlns:a16="http://schemas.microsoft.com/office/drawing/2014/main" id="{E61E9F40-1D2F-56E5-D28E-B21E659982B5}"/>
+              </a:ext>
+            </a:extLst>
+          </p:cNvPr>
+          <p:cNvSpPr txBox="1"/>
+          <p:nvPr/>
+        </p:nvSpPr>
+        <p:spPr>
+          <a:xfrm>
+            <a:off x="9140494" y="1916629"/>
+            <a:ext cx="809004" cy="307777"/>
+          </a:xfrm>
+          <a:prstGeom prst="rect">
+            <a:avLst/>
+          </a:prstGeom>
+          <a:noFill/>
+        </p:spPr>
+        <p:txBody>
+          <a:bodyPr wrap="none" rtlCol="0">
+            <a:spAutoFit/>
+          </a:bodyPr>
+          <a:lstStyle/>
+          <a:p>
+            <a:r>
+              <a:rPr lang="en-US" sz="1400" b="1" dirty="0"/>
+              <a:t>Switch 3</a:t>
+            </a:r>
+          </a:p>
+        </p:txBody>
+      </p:sp>
+      <p:sp>
+        <p:nvSpPr>
+          <p:cNvPr id="45" name="TextBox 44">
+            <a:extLst>
+              <a:ext uri="{FF2B5EF4-FFF2-40B4-BE49-F238E27FC236}">
+                <a16:creationId xmlns:a16="http://schemas.microsoft.com/office/drawing/2014/main" id="{61D7F262-9833-FF60-E7F2-CFD27B431074}"/>
+              </a:ext>
+            </a:extLst>
+          </p:cNvPr>
+          <p:cNvSpPr txBox="1"/>
+          <p:nvPr/>
+        </p:nvSpPr>
+        <p:spPr>
+          <a:xfrm>
+            <a:off x="9140494" y="3451083"/>
+            <a:ext cx="809004" cy="307777"/>
+          </a:xfrm>
+          <a:prstGeom prst="rect">
+            <a:avLst/>
+          </a:prstGeom>
+          <a:noFill/>
+        </p:spPr>
+        <p:txBody>
+          <a:bodyPr wrap="none" rtlCol="0">
+            <a:spAutoFit/>
+          </a:bodyPr>
+          <a:lstStyle/>
+          <a:p>
+            <a:r>
+              <a:rPr lang="en-US" sz="1400" b="1" dirty="0"/>
+              <a:t>Switch 4</a:t>
+            </a:r>
+          </a:p>
+        </p:txBody>
+      </p:sp>
+      <p:sp>
+        <p:nvSpPr>
+          <p:cNvPr id="46" name="TextBox 45">
+            <a:extLst>
+              <a:ext uri="{FF2B5EF4-FFF2-40B4-BE49-F238E27FC236}">
+                <a16:creationId xmlns:a16="http://schemas.microsoft.com/office/drawing/2014/main" id="{6C4905AF-92D6-63FF-3C83-63F354595D36}"/>
+              </a:ext>
+            </a:extLst>
+          </p:cNvPr>
+          <p:cNvSpPr txBox="1"/>
+          <p:nvPr/>
+        </p:nvSpPr>
+        <p:spPr>
+          <a:xfrm>
+            <a:off x="7369506" y="3479220"/>
+            <a:ext cx="809004" cy="307777"/>
+          </a:xfrm>
+          <a:prstGeom prst="rect">
+            <a:avLst/>
+          </a:prstGeom>
+          <a:noFill/>
+        </p:spPr>
+        <p:txBody>
+          <a:bodyPr wrap="none" rtlCol="0">
+            <a:spAutoFit/>
+          </a:bodyPr>
+          <a:lstStyle/>
+          <a:p>
+            <a:r>
+              <a:rPr lang="en-US" sz="1400" b="1" dirty="0"/>
+              <a:t>Switch 2</a:t>
+            </a:r>
+          </a:p>
+        </p:txBody>
+      </p:sp>
+      <p:sp>
+        <p:nvSpPr>
+          <p:cNvPr id="47" name="TextBox 46">
+            <a:extLst>
+              <a:ext uri="{FF2B5EF4-FFF2-40B4-BE49-F238E27FC236}">
+                <a16:creationId xmlns:a16="http://schemas.microsoft.com/office/drawing/2014/main" id="{4F728E56-BE09-0FE0-0C92-55D00A95B3FA}"/>
+              </a:ext>
+            </a:extLst>
+          </p:cNvPr>
+          <p:cNvSpPr txBox="1"/>
+          <p:nvPr/>
+        </p:nvSpPr>
+        <p:spPr>
+          <a:xfrm>
+            <a:off x="7331624" y="1923432"/>
+            <a:ext cx="809004" cy="307777"/>
+          </a:xfrm>
+          <a:prstGeom prst="rect">
+            <a:avLst/>
+          </a:prstGeom>
+          <a:noFill/>
+        </p:spPr>
+        <p:txBody>
+          <a:bodyPr wrap="none" rtlCol="0">
+            <a:spAutoFit/>
+          </a:bodyPr>
+          <a:lstStyle/>
+          <a:p>
+            <a:r>
+              <a:rPr lang="en-US" sz="1400" b="1" dirty="0"/>
+              <a:t>Switch 1</a:t>
+            </a:r>
+          </a:p>
+        </p:txBody>
+      </p:sp>
+    </p:spTree>
+    <p:extLst>
+      <p:ext uri="{BB962C8B-B14F-4D97-AF65-F5344CB8AC3E}">
+        <p14:creationId xmlns:p14="http://schemas.microsoft.com/office/powerpoint/2010/main" val="2460041558"/>
       </p:ext>
     </p:extLst>
   </p:cSld>
